--- a/ReactJS_P4.pptx
+++ b/ReactJS_P4.pptx
@@ -3580,13 +3580,13 @@
   <p:clrMapOvr>
     <a:masterClrMapping/>
   </p:clrMapOvr>
-  <mc:AlternateContent xmlns:mc="http://schemas.openxmlformats.org/markup-compatibility/2006">
-    <mc:Choice xmlns:p14="http://schemas.microsoft.com/office/powerpoint/2010/main" Requires="p14">
+  <mc:AlternateContent xmlns:mc="http://schemas.openxmlformats.org/markup-compatibility/2006" xmlns:p14="http://schemas.microsoft.com/office/powerpoint/2010/main">
+    <mc:Choice Requires="p14">
       <p:transition spd="slow">
         <p14:flythrough/>
       </p:transition>
     </mc:Choice>
-    <mc:Fallback>
+    <mc:Fallback xmlns="">
       <p:transition spd="slow">
         <p:fade/>
       </p:transition>
@@ -4469,13 +4469,13 @@
   <p:clrMapOvr>
     <a:overrideClrMapping bg1="dk1" tx1="lt1" bg2="dk2" tx2="lt2" accent1="accent1" accent2="accent2" accent3="accent3" accent4="accent4" accent5="accent5" accent6="accent6" hlink="hlink" folHlink="folHlink"/>
   </p:clrMapOvr>
-  <mc:AlternateContent xmlns:mc="http://schemas.openxmlformats.org/markup-compatibility/2006">
-    <mc:Choice xmlns:p14="http://schemas.microsoft.com/office/powerpoint/2010/main" Requires="p14">
+  <mc:AlternateContent xmlns:mc="http://schemas.openxmlformats.org/markup-compatibility/2006" xmlns:p14="http://schemas.microsoft.com/office/powerpoint/2010/main">
+    <mc:Choice Requires="p14">
       <p:transition spd="slow">
         <p14:flythrough/>
       </p:transition>
     </mc:Choice>
-    <mc:Fallback>
+    <mc:Fallback xmlns="">
       <p:transition spd="slow">
         <p:fade/>
       </p:transition>
@@ -5611,13 +5611,13 @@
   <p:clrMapOvr>
     <a:overrideClrMapping bg1="dk1" tx1="lt1" bg2="dk2" tx2="lt2" accent1="accent1" accent2="accent2" accent3="accent3" accent4="accent4" accent5="accent5" accent6="accent6" hlink="hlink" folHlink="folHlink"/>
   </p:clrMapOvr>
-  <mc:AlternateContent xmlns:mc="http://schemas.openxmlformats.org/markup-compatibility/2006">
-    <mc:Choice xmlns:p14="http://schemas.microsoft.com/office/powerpoint/2010/main" Requires="p14">
+  <mc:AlternateContent xmlns:mc="http://schemas.openxmlformats.org/markup-compatibility/2006" xmlns:p14="http://schemas.microsoft.com/office/powerpoint/2010/main">
+    <mc:Choice Requires="p14">
       <p:transition spd="slow">
         <p14:flythrough/>
       </p:transition>
     </mc:Choice>
-    <mc:Fallback>
+    <mc:Fallback xmlns="">
       <p:transition spd="slow">
         <p:fade/>
       </p:transition>
@@ -6752,13 +6752,13 @@
   <p:clrMapOvr>
     <a:overrideClrMapping bg1="dk1" tx1="lt1" bg2="dk2" tx2="lt2" accent1="accent1" accent2="accent2" accent3="accent3" accent4="accent4" accent5="accent5" accent6="accent6" hlink="hlink" folHlink="folHlink"/>
   </p:clrMapOvr>
-  <mc:AlternateContent xmlns:mc="http://schemas.openxmlformats.org/markup-compatibility/2006">
-    <mc:Choice xmlns:p14="http://schemas.microsoft.com/office/powerpoint/2010/main" Requires="p14">
+  <mc:AlternateContent xmlns:mc="http://schemas.openxmlformats.org/markup-compatibility/2006" xmlns:p14="http://schemas.microsoft.com/office/powerpoint/2010/main">
+    <mc:Choice Requires="p14">
       <p:transition spd="slow">
         <p14:flythrough/>
       </p:transition>
     </mc:Choice>
-    <mc:Fallback>
+    <mc:Fallback xmlns="">
       <p:transition spd="slow">
         <p:fade/>
       </p:transition>
@@ -7450,13 +7450,13 @@
   <p:clrMapOvr>
     <a:masterClrMapping/>
   </p:clrMapOvr>
-  <mc:AlternateContent xmlns:mc="http://schemas.openxmlformats.org/markup-compatibility/2006">
-    <mc:Choice xmlns:p14="http://schemas.microsoft.com/office/powerpoint/2010/main" Requires="p14">
+  <mc:AlternateContent xmlns:mc="http://schemas.openxmlformats.org/markup-compatibility/2006" xmlns:p14="http://schemas.microsoft.com/office/powerpoint/2010/main">
+    <mc:Choice Requires="p14">
       <p:transition spd="slow">
         <p14:flythrough/>
       </p:transition>
     </mc:Choice>
-    <mc:Fallback>
+    <mc:Fallback xmlns="">
       <p:transition spd="slow">
         <p:fade/>
       </p:transition>
@@ -9074,13 +9074,13 @@
   <p:clrMapOvr>
     <a:masterClrMapping/>
   </p:clrMapOvr>
-  <mc:AlternateContent xmlns:mc="http://schemas.openxmlformats.org/markup-compatibility/2006">
-    <mc:Choice xmlns:p14="http://schemas.microsoft.com/office/powerpoint/2010/main" Requires="p14">
+  <mc:AlternateContent xmlns:mc="http://schemas.openxmlformats.org/markup-compatibility/2006" xmlns:p14="http://schemas.microsoft.com/office/powerpoint/2010/main">
+    <mc:Choice Requires="p14">
       <p:transition spd="slow">
         <p14:flythrough/>
       </p:transition>
     </mc:Choice>
-    <mc:Fallback>
+    <mc:Fallback xmlns="">
       <p:transition spd="slow">
         <p:fade/>
       </p:transition>
@@ -9721,13 +9721,13 @@
   <p:clrMapOvr>
     <a:masterClrMapping/>
   </p:clrMapOvr>
-  <mc:AlternateContent xmlns:mc="http://schemas.openxmlformats.org/markup-compatibility/2006">
-    <mc:Choice xmlns:p14="http://schemas.microsoft.com/office/powerpoint/2010/main" Requires="p14">
+  <mc:AlternateContent xmlns:mc="http://schemas.openxmlformats.org/markup-compatibility/2006" xmlns:p14="http://schemas.microsoft.com/office/powerpoint/2010/main">
+    <mc:Choice Requires="p14">
       <p:transition spd="slow">
         <p14:flythrough/>
       </p:transition>
     </mc:Choice>
-    <mc:Fallback>
+    <mc:Fallback xmlns="">
       <p:transition spd="slow">
         <p:fade/>
       </p:transition>
@@ -10256,13 +10256,13 @@
   <p:clrMapOvr>
     <a:masterClrMapping/>
   </p:clrMapOvr>
-  <mc:AlternateContent xmlns:mc="http://schemas.openxmlformats.org/markup-compatibility/2006">
-    <mc:Choice xmlns:p14="http://schemas.microsoft.com/office/powerpoint/2010/main" Requires="p14">
+  <mc:AlternateContent xmlns:mc="http://schemas.openxmlformats.org/markup-compatibility/2006" xmlns:p14="http://schemas.microsoft.com/office/powerpoint/2010/main">
+    <mc:Choice Requires="p14">
       <p:transition spd="slow">
         <p14:flythrough/>
       </p:transition>
     </mc:Choice>
-    <mc:Fallback>
+    <mc:Fallback xmlns="">
       <p:transition spd="slow">
         <p:fade/>
       </p:transition>
@@ -10515,13 +10515,13 @@
   <p:clrMapOvr>
     <a:masterClrMapping/>
   </p:clrMapOvr>
-  <mc:AlternateContent xmlns:mc="http://schemas.openxmlformats.org/markup-compatibility/2006">
-    <mc:Choice xmlns:p14="http://schemas.microsoft.com/office/powerpoint/2010/main" Requires="p14">
+  <mc:AlternateContent xmlns:mc="http://schemas.openxmlformats.org/markup-compatibility/2006" xmlns:p14="http://schemas.microsoft.com/office/powerpoint/2010/main">
+    <mc:Choice Requires="p14">
       <p:transition spd="slow">
         <p14:flythrough/>
       </p:transition>
     </mc:Choice>
-    <mc:Fallback>
+    <mc:Fallback xmlns="">
       <p:transition spd="slow">
         <p:fade/>
       </p:transition>
@@ -10791,13 +10791,13 @@
   <p:clrMapOvr>
     <a:masterClrMapping/>
   </p:clrMapOvr>
-  <mc:AlternateContent xmlns:mc="http://schemas.openxmlformats.org/markup-compatibility/2006">
-    <mc:Choice xmlns:p14="http://schemas.microsoft.com/office/powerpoint/2010/main" Requires="p14">
+  <mc:AlternateContent xmlns:mc="http://schemas.openxmlformats.org/markup-compatibility/2006" xmlns:p14="http://schemas.microsoft.com/office/powerpoint/2010/main">
+    <mc:Choice Requires="p14">
       <p:transition spd="slow">
         <p14:flythrough/>
       </p:transition>
     </mc:Choice>
-    <mc:Fallback>
+    <mc:Fallback xmlns="">
       <p:transition spd="slow">
         <p:fade/>
       </p:transition>
@@ -11907,13 +11907,13 @@
   <p:clrMapOvr>
     <a:overrideClrMapping bg1="dk1" tx1="lt1" bg2="dk2" tx2="lt2" accent1="accent1" accent2="accent2" accent3="accent3" accent4="accent4" accent5="accent5" accent6="accent6" hlink="hlink" folHlink="folHlink"/>
   </p:clrMapOvr>
-  <mc:AlternateContent xmlns:mc="http://schemas.openxmlformats.org/markup-compatibility/2006">
-    <mc:Choice xmlns:p14="http://schemas.microsoft.com/office/powerpoint/2010/main" Requires="p14">
+  <mc:AlternateContent xmlns:mc="http://schemas.openxmlformats.org/markup-compatibility/2006" xmlns:p14="http://schemas.microsoft.com/office/powerpoint/2010/main">
+    <mc:Choice Requires="p14">
       <p:transition spd="slow">
         <p14:flythrough/>
       </p:transition>
     </mc:Choice>
-    <mc:Fallback>
+    <mc:Fallback xmlns="">
       <p:transition spd="slow">
         <p:fade/>
       </p:transition>
@@ -13738,13 +13738,13 @@
   <p:clrMapOvr>
     <a:overrideClrMapping bg1="dk1" tx1="lt1" bg2="dk2" tx2="lt2" accent1="accent1" accent2="accent2" accent3="accent3" accent4="accent4" accent5="accent5" accent6="accent6" hlink="hlink" folHlink="folHlink"/>
   </p:clrMapOvr>
-  <mc:AlternateContent xmlns:mc="http://schemas.openxmlformats.org/markup-compatibility/2006">
-    <mc:Choice xmlns:p14="http://schemas.microsoft.com/office/powerpoint/2010/main" Requires="p14">
+  <mc:AlternateContent xmlns:mc="http://schemas.openxmlformats.org/markup-compatibility/2006" xmlns:p14="http://schemas.microsoft.com/office/powerpoint/2010/main">
+    <mc:Choice Requires="p14">
       <p:transition spd="slow">
         <p14:flythrough/>
       </p:transition>
     </mc:Choice>
-    <mc:Fallback>
+    <mc:Fallback xmlns="">
       <p:transition spd="slow">
         <p:fade/>
       </p:transition>
@@ -14925,13 +14925,13 @@
   <p:clrMapOvr>
     <a:overrideClrMapping bg1="dk1" tx1="lt1" bg2="dk2" tx2="lt2" accent1="accent1" accent2="accent2" accent3="accent3" accent4="accent4" accent5="accent5" accent6="accent6" hlink="hlink" folHlink="folHlink"/>
   </p:clrMapOvr>
-  <mc:AlternateContent xmlns:mc="http://schemas.openxmlformats.org/markup-compatibility/2006">
-    <mc:Choice xmlns:p14="http://schemas.microsoft.com/office/powerpoint/2010/main" Requires="p14">
+  <mc:AlternateContent xmlns:mc="http://schemas.openxmlformats.org/markup-compatibility/2006" xmlns:p14="http://schemas.microsoft.com/office/powerpoint/2010/main">
+    <mc:Choice Requires="p14">
       <p:transition spd="slow">
         <p14:flythrough/>
       </p:transition>
     </mc:Choice>
-    <mc:Fallback>
+    <mc:Fallback xmlns="">
       <p:transition spd="slow">
         <p:fade/>
       </p:transition>
@@ -15300,13 +15300,13 @@
     <p:sldLayoutId id="2147483692" r:id="rId12"/>
     <p:sldLayoutId id="2147483682" r:id="rId13"/>
   </p:sldLayoutIdLst>
-  <mc:AlternateContent xmlns:mc="http://schemas.openxmlformats.org/markup-compatibility/2006">
-    <mc:Choice xmlns:p14="http://schemas.microsoft.com/office/powerpoint/2010/main" Requires="p14">
+  <mc:AlternateContent xmlns:mc="http://schemas.openxmlformats.org/markup-compatibility/2006" xmlns:p14="http://schemas.microsoft.com/office/powerpoint/2010/main">
+    <mc:Choice Requires="p14">
       <p:transition spd="slow">
         <p14:flythrough/>
       </p:transition>
     </mc:Choice>
-    <mc:Fallback>
+    <mc:Fallback xmlns="">
       <p:transition spd="slow">
         <p:fade/>
       </p:transition>
@@ -15901,13 +15901,13 @@
   <p:clrMapOvr>
     <a:masterClrMapping/>
   </p:clrMapOvr>
-  <mc:AlternateContent xmlns:mc="http://schemas.openxmlformats.org/markup-compatibility/2006">
-    <mc:Choice xmlns:p14="http://schemas.microsoft.com/office/powerpoint/2010/main" Requires="p14">
+  <mc:AlternateContent xmlns:mc="http://schemas.openxmlformats.org/markup-compatibility/2006" xmlns:p14="http://schemas.microsoft.com/office/powerpoint/2010/main">
+    <mc:Choice Requires="p14">
       <p:transition spd="slow">
         <p14:flythrough/>
       </p:transition>
     </mc:Choice>
-    <mc:Fallback>
+    <mc:Fallback xmlns="">
       <p:transition spd="slow">
         <p:fade/>
       </p:transition>
@@ -17511,13 +17511,13 @@
   <p:clrMapOvr>
     <a:masterClrMapping/>
   </p:clrMapOvr>
-  <mc:AlternateContent xmlns:mc="http://schemas.openxmlformats.org/markup-compatibility/2006">
-    <mc:Choice xmlns:p14="http://schemas.microsoft.com/office/powerpoint/2010/main" Requires="p14">
+  <mc:AlternateContent xmlns:mc="http://schemas.openxmlformats.org/markup-compatibility/2006" xmlns:p14="http://schemas.microsoft.com/office/powerpoint/2010/main">
+    <mc:Choice Requires="p14">
       <p:transition spd="slow">
         <p14:flythrough/>
       </p:transition>
     </mc:Choice>
-    <mc:Fallback>
+    <mc:Fallback xmlns="">
       <p:transition spd="slow">
         <p:fade/>
       </p:transition>
@@ -17855,13 +17855,13 @@
   <p:clrMapOvr>
     <a:masterClrMapping/>
   </p:clrMapOvr>
-  <mc:AlternateContent xmlns:mc="http://schemas.openxmlformats.org/markup-compatibility/2006">
-    <mc:Choice xmlns:p14="http://schemas.microsoft.com/office/powerpoint/2010/main" Requires="p14">
+  <mc:AlternateContent xmlns:mc="http://schemas.openxmlformats.org/markup-compatibility/2006" xmlns:p14="http://schemas.microsoft.com/office/powerpoint/2010/main">
+    <mc:Choice Requires="p14">
       <p:transition spd="slow">
         <p14:flythrough/>
       </p:transition>
     </mc:Choice>
-    <mc:Fallback>
+    <mc:Fallback xmlns="">
       <p:transition spd="slow">
         <p:fade/>
       </p:transition>
@@ -18080,13 +18080,13 @@
   <p:clrMapOvr>
     <a:masterClrMapping/>
   </p:clrMapOvr>
-  <mc:AlternateContent xmlns:mc="http://schemas.openxmlformats.org/markup-compatibility/2006">
-    <mc:Choice xmlns:p14="http://schemas.microsoft.com/office/powerpoint/2010/main" Requires="p14">
+  <mc:AlternateContent xmlns:mc="http://schemas.openxmlformats.org/markup-compatibility/2006" xmlns:p14="http://schemas.microsoft.com/office/powerpoint/2010/main">
+    <mc:Choice Requires="p14">
       <p:transition spd="slow">
         <p14:flythrough/>
       </p:transition>
     </mc:Choice>
-    <mc:Fallback>
+    <mc:Fallback xmlns="">
       <p:transition spd="slow">
         <p:fade/>
       </p:transition>
@@ -19188,13 +19188,13 @@
   <p:clrMapOvr>
     <a:masterClrMapping/>
   </p:clrMapOvr>
-  <mc:AlternateContent xmlns:mc="http://schemas.openxmlformats.org/markup-compatibility/2006">
-    <mc:Choice xmlns:p14="http://schemas.microsoft.com/office/powerpoint/2010/main" Requires="p14">
+  <mc:AlternateContent xmlns:mc="http://schemas.openxmlformats.org/markup-compatibility/2006" xmlns:p14="http://schemas.microsoft.com/office/powerpoint/2010/main">
+    <mc:Choice Requires="p14">
       <p:transition spd="slow">
         <p14:flythrough/>
       </p:transition>
     </mc:Choice>
-    <mc:Fallback>
+    <mc:Fallback xmlns="">
       <p:transition spd="slow">
         <p:fade/>
       </p:transition>
@@ -19542,7 +19542,7 @@
         </p:blipFill>
         <p:spPr>
           <a:xfrm>
-            <a:off x="0" y="0"/>
+            <a:off x="8389" y="0"/>
             <a:ext cx="12192000" cy="6858000"/>
           </a:xfrm>
           <a:prstGeom prst="rect">
@@ -19550,6 +19550,58 @@
           </a:prstGeom>
         </p:spPr>
       </p:pic>
+      <p:sp>
+        <p:nvSpPr>
+          <p:cNvPr id="6" name="Rectangle 5">
+            <a:extLst>
+              <a:ext uri="{FF2B5EF4-FFF2-40B4-BE49-F238E27FC236}">
+                <a16:creationId xmlns:a16="http://schemas.microsoft.com/office/drawing/2014/main" id="{DFB3FA39-29E1-937B-C705-2E5CF5C0E828}"/>
+              </a:ext>
+            </a:extLst>
+          </p:cNvPr>
+          <p:cNvSpPr/>
+          <p:nvPr/>
+        </p:nvSpPr>
+        <p:spPr>
+          <a:xfrm>
+            <a:off x="7952763" y="67112"/>
+            <a:ext cx="2046914" cy="436227"/>
+          </a:xfrm>
+          <a:prstGeom prst="rect">
+            <a:avLst/>
+          </a:prstGeom>
+          <a:noFill/>
+          <a:ln w="57150">
+            <a:solidFill>
+              <a:schemeClr val="accent5"/>
+            </a:solidFill>
+          </a:ln>
+        </p:spPr>
+        <p:style>
+          <a:lnRef idx="2">
+            <a:schemeClr val="accent1">
+              <a:shade val="50000"/>
+            </a:schemeClr>
+          </a:lnRef>
+          <a:fillRef idx="1">
+            <a:schemeClr val="accent1"/>
+          </a:fillRef>
+          <a:effectRef idx="0">
+            <a:schemeClr val="accent1"/>
+          </a:effectRef>
+          <a:fontRef idx="minor">
+            <a:schemeClr val="lt1"/>
+          </a:fontRef>
+        </p:style>
+        <p:txBody>
+          <a:bodyPr rtlCol="0" anchor="ctr"/>
+          <a:lstStyle/>
+          <a:p>
+            <a:pPr algn="ctr"/>
+            <a:endParaRPr lang="en-US"/>
+          </a:p>
+        </p:txBody>
+      </p:sp>
     </p:spTree>
     <p:extLst>
       <p:ext uri="{BB962C8B-B14F-4D97-AF65-F5344CB8AC3E}">
@@ -19560,13 +19612,13 @@
   <p:clrMapOvr>
     <a:masterClrMapping/>
   </p:clrMapOvr>
-  <mc:AlternateContent xmlns:mc="http://schemas.openxmlformats.org/markup-compatibility/2006">
-    <mc:Choice xmlns:p14="http://schemas.microsoft.com/office/powerpoint/2010/main" Requires="p14">
+  <mc:AlternateContent xmlns:mc="http://schemas.openxmlformats.org/markup-compatibility/2006" xmlns:p14="http://schemas.microsoft.com/office/powerpoint/2010/main">
+    <mc:Choice Requires="p14">
       <p:transition spd="slow">
         <p14:flythrough/>
       </p:transition>
     </mc:Choice>
-    <mc:Fallback>
+    <mc:Fallback xmlns="">
       <p:transition spd="slow">
         <p:fade/>
       </p:transition>
@@ -20096,13 +20148,13 @@
   <p:clrMapOvr>
     <a:masterClrMapping/>
   </p:clrMapOvr>
-  <mc:AlternateContent xmlns:mc="http://schemas.openxmlformats.org/markup-compatibility/2006">
-    <mc:Choice xmlns:p14="http://schemas.microsoft.com/office/powerpoint/2010/main" Requires="p14">
+  <mc:AlternateContent xmlns:mc="http://schemas.openxmlformats.org/markup-compatibility/2006" xmlns:p14="http://schemas.microsoft.com/office/powerpoint/2010/main">
+    <mc:Choice Requires="p14">
       <p:transition spd="slow">
         <p14:flythrough/>
       </p:transition>
     </mc:Choice>
-    <mc:Fallback>
+    <mc:Fallback xmlns="">
       <p:transition spd="slow">
         <p:fade/>
       </p:transition>
@@ -20205,13 +20257,13 @@
   <p:clrMapOvr>
     <a:masterClrMapping/>
   </p:clrMapOvr>
-  <mc:AlternateContent xmlns:mc="http://schemas.openxmlformats.org/markup-compatibility/2006">
-    <mc:Choice xmlns:p14="http://schemas.microsoft.com/office/powerpoint/2010/main" Requires="p14">
+  <mc:AlternateContent xmlns:mc="http://schemas.openxmlformats.org/markup-compatibility/2006" xmlns:p14="http://schemas.microsoft.com/office/powerpoint/2010/main">
+    <mc:Choice Requires="p14">
       <p:transition spd="slow">
         <p14:flythrough/>
       </p:transition>
     </mc:Choice>
-    <mc:Fallback>
+    <mc:Fallback xmlns="">
       <p:transition spd="slow">
         <p:fade/>
       </p:transition>
@@ -20309,13 +20361,13 @@
   <p:clrMapOvr>
     <a:masterClrMapping/>
   </p:clrMapOvr>
-  <mc:AlternateContent xmlns:mc="http://schemas.openxmlformats.org/markup-compatibility/2006">
-    <mc:Choice xmlns:p14="http://schemas.microsoft.com/office/powerpoint/2010/main" Requires="p14">
+  <mc:AlternateContent xmlns:mc="http://schemas.openxmlformats.org/markup-compatibility/2006" xmlns:p14="http://schemas.microsoft.com/office/powerpoint/2010/main">
+    <mc:Choice Requires="p14">
       <p:transition spd="slow">
         <p14:flythrough/>
       </p:transition>
     </mc:Choice>
-    <mc:Fallback>
+    <mc:Fallback xmlns="">
       <p:transition spd="slow">
         <p:fade/>
       </p:transition>
@@ -21116,6 +21168,15 @@
 </file>
 
 <file path=customXml/item1.xml><?xml version="1.0" encoding="utf-8"?>
+<p:properties xmlns:p="http://schemas.microsoft.com/office/2006/metadata/properties" xmlns:xsi="http://www.w3.org/2001/XMLSchema-instance" xmlns:pc="http://schemas.microsoft.com/office/infopath/2007/PartnerControls">
+  <documentManagement>
+    <Status xmlns="71af3243-3dd4-4a8d-8c0d-dd76da1f02a5">Not started</Status>
+    <MediaServiceKeyPoints xmlns="71af3243-3dd4-4a8d-8c0d-dd76da1f02a5" xsi:nil="true"/>
+  </documentManagement>
+</p:properties>
+</file>
+
+<file path=customXml/item2.xml><?xml version="1.0" encoding="utf-8"?>
 <ct:contentTypeSchema xmlns:ct="http://schemas.microsoft.com/office/2006/metadata/contentType" xmlns:ma="http://schemas.microsoft.com/office/2006/metadata/properties/metaAttributes" ct:_="" ma:_="" ma:contentTypeName="Document" ma:contentTypeID="0x01010079F111ED35F8CC479449609E8A0923A6" ma:contentTypeVersion="12" ma:contentTypeDescription="Create a new document." ma:contentTypeScope="" ma:versionID="426e97fa315356fffbdcd9876fe988c2">
   <xsd:schema xmlns:xsd="http://www.w3.org/2001/XMLSchema" xmlns:xs="http://www.w3.org/2001/XMLSchema" xmlns:p="http://schemas.microsoft.com/office/2006/metadata/properties" xmlns:ns2="71af3243-3dd4-4a8d-8c0d-dd76da1f02a5" xmlns:ns3="16c05727-aa75-4e4a-9b5f-8a80a1165891" targetNamespace="http://schemas.microsoft.com/office/2006/metadata/properties" ma:root="true" ma:fieldsID="14b8f0def80e6d70ce3def20c90759ae" ns2:_="" ns3:_="">
     <xsd:import namespace="71af3243-3dd4-4a8d-8c0d-dd76da1f02a5"/>
@@ -21336,15 +21397,6 @@
 </ct:contentTypeSchema>
 </file>
 
-<file path=customXml/item2.xml><?xml version="1.0" encoding="utf-8"?>
-<p:properties xmlns:p="http://schemas.microsoft.com/office/2006/metadata/properties" xmlns:xsi="http://www.w3.org/2001/XMLSchema-instance" xmlns:pc="http://schemas.microsoft.com/office/infopath/2007/PartnerControls">
-  <documentManagement>
-    <Status xmlns="71af3243-3dd4-4a8d-8c0d-dd76da1f02a5">Not started</Status>
-    <MediaServiceKeyPoints xmlns="71af3243-3dd4-4a8d-8c0d-dd76da1f02a5" xsi:nil="true"/>
-  </documentManagement>
-</p:properties>
-</file>
-
 <file path=customXml/item3.xml><?xml version="1.0" encoding="utf-8"?>
 <?mso-contentType ?>
 <FormTemplates xmlns="http://schemas.microsoft.com/sharepoint/v3/contenttype/forms">
@@ -21355,6 +21407,16 @@
 </file>
 
 <file path=customXml/itemProps1.xml><?xml version="1.0" encoding="utf-8"?>
+<ds:datastoreItem xmlns:ds="http://schemas.openxmlformats.org/officeDocument/2006/customXml" ds:itemID="{09EC1AB0-9704-404D-B6D3-819D938AC55B}">
+  <ds:schemaRefs>
+    <ds:schemaRef ds:uri="http://schemas.microsoft.com/office/2006/metadata/properties"/>
+    <ds:schemaRef ds:uri="http://schemas.microsoft.com/office/infopath/2007/PartnerControls"/>
+    <ds:schemaRef ds:uri="71af3243-3dd4-4a8d-8c0d-dd76da1f02a5"/>
+  </ds:schemaRefs>
+</ds:datastoreItem>
+</file>
+
+<file path=customXml/itemProps2.xml><?xml version="1.0" encoding="utf-8"?>
 <ds:datastoreItem xmlns:ds="http://schemas.openxmlformats.org/officeDocument/2006/customXml" ds:itemID="{94F21D10-BD83-491A-AAA6-945C2DB1EB01}">
   <ds:schemaRefs>
     <ds:schemaRef ds:uri="http://schemas.microsoft.com/office/2006/metadata/contentType"/>
@@ -21373,16 +21435,6 @@
 </ds:datastoreItem>
 </file>
 
-<file path=customXml/itemProps2.xml><?xml version="1.0" encoding="utf-8"?>
-<ds:datastoreItem xmlns:ds="http://schemas.openxmlformats.org/officeDocument/2006/customXml" ds:itemID="{09EC1AB0-9704-404D-B6D3-819D938AC55B}">
-  <ds:schemaRefs>
-    <ds:schemaRef ds:uri="http://schemas.microsoft.com/office/2006/metadata/properties"/>
-    <ds:schemaRef ds:uri="http://schemas.microsoft.com/office/infopath/2007/PartnerControls"/>
-    <ds:schemaRef ds:uri="71af3243-3dd4-4a8d-8c0d-dd76da1f02a5"/>
-  </ds:schemaRefs>
-</ds:datastoreItem>
-</file>
-
 <file path=customXml/itemProps3.xml><?xml version="1.0" encoding="utf-8"?>
 <ds:datastoreItem xmlns:ds="http://schemas.openxmlformats.org/officeDocument/2006/customXml" ds:itemID="{1D20B6E4-879E-4E6C-BDE7-261540CD3765}">
   <ds:schemaRefs>
